--- a/2차 발표.pptx
+++ b/2차 발표.pptx
@@ -6277,7 +6277,7 @@
             <p:ph idx="1"/>
             <p:extLst>
               <p:ext uri="{D42A27DB-BD31-4B8C-83A1-F6EECF244321}">
-                <p14:modId xmlns:p14="http://schemas.microsoft.com/office/powerpoint/2010/main" val="3845275175"/>
+                <p14:modId xmlns:p14="http://schemas.microsoft.com/office/powerpoint/2010/main" val="429314262"/>
               </p:ext>
             </p:extLst>
           </p:nvPr>
@@ -6745,13 +6745,8 @@
                       </a:r>
                       <a:r>
                         <a:rPr lang="ko-KR" altLang="en-US" dirty="0"/>
-                        <a:t>패턴에 해당되는 </a:t>
-                      </a:r>
-                      <a:r>
-                        <a:rPr lang="en-US" altLang="ko-KR" dirty="0"/>
-                        <a:t>Ani</a:t>
-                      </a:r>
-                      <a:endParaRPr lang="ko-KR" altLang="en-US" dirty="0"/>
+                        <a:t>패턴에 해당되는 애니메이션</a:t>
+                      </a:r>
                     </a:p>
                   </a:txBody>
                   <a:tcPr/>
@@ -6919,14 +6914,14 @@
             <p:ph idx="1"/>
             <p:extLst>
               <p:ext uri="{D42A27DB-BD31-4B8C-83A1-F6EECF244321}">
-                <p14:modId xmlns:p14="http://schemas.microsoft.com/office/powerpoint/2010/main" val="888241154"/>
+                <p14:modId xmlns:p14="http://schemas.microsoft.com/office/powerpoint/2010/main" val="1930820775"/>
               </p:ext>
             </p:extLst>
           </p:nvPr>
         </p:nvGraphicFramePr>
         <p:xfrm>
           <a:off x="116389" y="816638"/>
-          <a:ext cx="11321632" cy="5214330"/>
+          <a:ext cx="11321632" cy="5369553"/>
         </p:xfrm>
         <a:graphic>
           <a:graphicData uri="http://schemas.openxmlformats.org/drawingml/2006/table">
@@ -7261,7 +7256,14 @@
                       </a:r>
                       <a:r>
                         <a:rPr lang="en-US" altLang="ko-KR" dirty="0"/>
-                        <a:t>. +</a:t>
+                        <a:t>. </a:t>
+                      </a:r>
+                    </a:p>
+                    <a:p>
+                      <a:pPr latinLnBrk="1"/>
+                      <a:r>
+                        <a:rPr lang="en-US" altLang="ko-KR" dirty="0"/>
+                        <a:t>+</a:t>
                       </a:r>
                       <a:r>
                         <a:rPr lang="ko-KR" altLang="en-US" dirty="0" err="1"/>
@@ -7278,6 +7280,14 @@
                       <a:r>
                         <a:rPr lang="ko-KR" altLang="en-US" dirty="0"/>
                         <a:t>빠른 이동 및 무적기로 이용</a:t>
+                      </a:r>
+                      <a:r>
+                        <a:rPr lang="en-US" altLang="ko-KR" dirty="0"/>
+                        <a:t>,</a:t>
+                      </a:r>
+                      <a:r>
+                        <a:rPr lang="ko-KR" altLang="en-US" dirty="0"/>
+                        <a:t> 가시적 표현을 위해 투명도 조절</a:t>
                       </a:r>
                       <a:r>
                         <a:rPr lang="en-US" altLang="ko-KR" dirty="0"/>
